--- a/HomeWork_2/SOC.pptx
+++ b/HomeWork_2/SOC.pptx
@@ -201,7 +201,7 @@
           <a:p>
             <a:fld id="{7CF01ED4-7403-45D8-B8C3-4343BB156215}" type="datetimeFigureOut">
               <a:rPr lang="zh-TW" altLang="en-US" smtClean="0"/>
-              <a:t>2022/5/18</a:t>
+              <a:t>2022/5/19</a:t>
             </a:fld>
             <a:endParaRPr lang="zh-TW" altLang="en-US"/>
           </a:p>
@@ -703,7 +703,7 @@
           <a:p>
             <a:fld id="{CD42E763-A480-4F4B-985C-4AD4334F4BEE}" type="datetimeFigureOut">
               <a:rPr lang="zh-TW" altLang="en-US" smtClean="0"/>
-              <a:t>2022/5/18</a:t>
+              <a:t>2022/5/19</a:t>
             </a:fld>
             <a:endParaRPr lang="zh-TW" altLang="en-US"/>
           </a:p>
@@ -901,7 +901,7 @@
           <a:p>
             <a:fld id="{CD42E763-A480-4F4B-985C-4AD4334F4BEE}" type="datetimeFigureOut">
               <a:rPr lang="zh-TW" altLang="en-US" smtClean="0"/>
-              <a:t>2022/5/18</a:t>
+              <a:t>2022/5/19</a:t>
             </a:fld>
             <a:endParaRPr lang="zh-TW" altLang="en-US"/>
           </a:p>
@@ -1109,7 +1109,7 @@
           <a:p>
             <a:fld id="{CD42E763-A480-4F4B-985C-4AD4334F4BEE}" type="datetimeFigureOut">
               <a:rPr lang="zh-TW" altLang="en-US" smtClean="0"/>
-              <a:t>2022/5/18</a:t>
+              <a:t>2022/5/19</a:t>
             </a:fld>
             <a:endParaRPr lang="zh-TW" altLang="en-US"/>
           </a:p>
@@ -1307,7 +1307,7 @@
           <a:p>
             <a:fld id="{CD42E763-A480-4F4B-985C-4AD4334F4BEE}" type="datetimeFigureOut">
               <a:rPr lang="zh-TW" altLang="en-US" smtClean="0"/>
-              <a:t>2022/5/18</a:t>
+              <a:t>2022/5/19</a:t>
             </a:fld>
             <a:endParaRPr lang="zh-TW" altLang="en-US"/>
           </a:p>
@@ -1582,7 +1582,7 @@
           <a:p>
             <a:fld id="{CD42E763-A480-4F4B-985C-4AD4334F4BEE}" type="datetimeFigureOut">
               <a:rPr lang="zh-TW" altLang="en-US" smtClean="0"/>
-              <a:t>2022/5/18</a:t>
+              <a:t>2022/5/19</a:t>
             </a:fld>
             <a:endParaRPr lang="zh-TW" altLang="en-US"/>
           </a:p>
@@ -1847,7 +1847,7 @@
           <a:p>
             <a:fld id="{CD42E763-A480-4F4B-985C-4AD4334F4BEE}" type="datetimeFigureOut">
               <a:rPr lang="zh-TW" altLang="en-US" smtClean="0"/>
-              <a:t>2022/5/18</a:t>
+              <a:t>2022/5/19</a:t>
             </a:fld>
             <a:endParaRPr lang="zh-TW" altLang="en-US"/>
           </a:p>
@@ -2259,7 +2259,7 @@
           <a:p>
             <a:fld id="{CD42E763-A480-4F4B-985C-4AD4334F4BEE}" type="datetimeFigureOut">
               <a:rPr lang="zh-TW" altLang="en-US" smtClean="0"/>
-              <a:t>2022/5/18</a:t>
+              <a:t>2022/5/19</a:t>
             </a:fld>
             <a:endParaRPr lang="zh-TW" altLang="en-US"/>
           </a:p>
@@ -2400,7 +2400,7 @@
           <a:p>
             <a:fld id="{CD42E763-A480-4F4B-985C-4AD4334F4BEE}" type="datetimeFigureOut">
               <a:rPr lang="zh-TW" altLang="en-US" smtClean="0"/>
-              <a:t>2022/5/18</a:t>
+              <a:t>2022/5/19</a:t>
             </a:fld>
             <a:endParaRPr lang="zh-TW" altLang="en-US"/>
           </a:p>
@@ -2513,7 +2513,7 @@
           <a:p>
             <a:fld id="{CD42E763-A480-4F4B-985C-4AD4334F4BEE}" type="datetimeFigureOut">
               <a:rPr lang="zh-TW" altLang="en-US" smtClean="0"/>
-              <a:t>2022/5/18</a:t>
+              <a:t>2022/5/19</a:t>
             </a:fld>
             <a:endParaRPr lang="zh-TW" altLang="en-US"/>
           </a:p>
@@ -2824,7 +2824,7 @@
           <a:p>
             <a:fld id="{CD42E763-A480-4F4B-985C-4AD4334F4BEE}" type="datetimeFigureOut">
               <a:rPr lang="zh-TW" altLang="en-US" smtClean="0"/>
-              <a:t>2022/5/18</a:t>
+              <a:t>2022/5/19</a:t>
             </a:fld>
             <a:endParaRPr lang="zh-TW" altLang="en-US"/>
           </a:p>
@@ -3112,7 +3112,7 @@
           <a:p>
             <a:fld id="{CD42E763-A480-4F4B-985C-4AD4334F4BEE}" type="datetimeFigureOut">
               <a:rPr lang="zh-TW" altLang="en-US" smtClean="0"/>
-              <a:t>2022/5/18</a:t>
+              <a:t>2022/5/19</a:t>
             </a:fld>
             <a:endParaRPr lang="zh-TW" altLang="en-US"/>
           </a:p>
@@ -3353,7 +3353,7 @@
           <a:p>
             <a:fld id="{CD42E763-A480-4F4B-985C-4AD4334F4BEE}" type="datetimeFigureOut">
               <a:rPr lang="zh-TW" altLang="en-US" smtClean="0"/>
-              <a:t>2022/5/18</a:t>
+              <a:t>2022/5/19</a:t>
             </a:fld>
             <a:endParaRPr lang="zh-TW" altLang="en-US"/>
           </a:p>
@@ -5518,7 +5518,11 @@
           <a:bodyPr/>
           <a:lstStyle/>
           <a:p>
-            <a:endParaRPr lang="zh-TW" altLang="en-US"/>
+            <a:r>
+              <a:rPr lang="en-US" altLang="zh-TW" dirty="0"/>
+              <a:t>Demo</a:t>
+            </a:r>
+            <a:endParaRPr lang="zh-TW" altLang="en-US" dirty="0"/>
           </a:p>
         </p:txBody>
       </p:sp>
@@ -5543,7 +5547,13 @@
           <a:bodyPr/>
           <a:lstStyle/>
           <a:p>
-            <a:endParaRPr lang="zh-TW" altLang="en-US"/>
+            <a:r>
+              <a:rPr lang="en-US" altLang="zh-TW" dirty="0">
+                <a:hlinkClick r:id="rId2"/>
+              </a:rPr>
+              <a:t>https://drive.google.com/file/d/1oVFyBsj02RklpDCUerdiiv26EPo7kwIb/view?usp=sharing</a:t>
+            </a:r>
+            <a:endParaRPr lang="en-US" altLang="zh-TW" dirty="0"/>
           </a:p>
         </p:txBody>
       </p:sp>

--- a/HomeWork_2/SOC.pptx
+++ b/HomeWork_2/SOC.pptx
@@ -4591,7 +4591,7 @@
         </p:nvSpPr>
         <p:spPr>
           <a:xfrm>
-            <a:off x="842865" y="1271146"/>
+            <a:off x="156676" y="1963459"/>
             <a:ext cx="5253135" cy="3763412"/>
           </a:xfrm>
           <a:prstGeom prst="rect">
@@ -5028,6 +5028,184 @@
               </a:rPr>
               <a:t> XPAR_FABRIC_AXI_GPIO_1_IP2INTC_IRPT_INTR 61U</a:t>
             </a:r>
+          </a:p>
+        </p:txBody>
+      </p:sp>
+      <p:sp>
+        <p:nvSpPr>
+          <p:cNvPr id="10" name="文字方塊 9">
+            <a:extLst>
+              <a:ext uri="{FF2B5EF4-FFF2-40B4-BE49-F238E27FC236}">
+                <a16:creationId xmlns:a16="http://schemas.microsoft.com/office/drawing/2014/main" id="{157F2605-F666-A849-0BA8-389DF5206DBF}"/>
+              </a:ext>
+            </a:extLst>
+          </p:cNvPr>
+          <p:cNvSpPr txBox="1"/>
+          <p:nvPr/>
+        </p:nvSpPr>
+        <p:spPr>
+          <a:xfrm>
+            <a:off x="156676" y="1379186"/>
+            <a:ext cx="6108053" cy="369332"/>
+          </a:xfrm>
+          <a:prstGeom prst="rect">
+            <a:avLst/>
+          </a:prstGeom>
+          <a:noFill/>
+        </p:spPr>
+        <p:txBody>
+          <a:bodyPr wrap="square">
+            <a:spAutoFit/>
+          </a:bodyPr>
+          <a:lstStyle/>
+          <a:p>
+            <a:r>
+              <a:rPr lang="en-US" altLang="zh-TW" sz="1800" b="1" dirty="0">
+                <a:solidFill>
+                  <a:srgbClr val="7F0055"/>
+                </a:solidFill>
+                <a:latin typeface="Consolas" panose="020B0609020204030204" pitchFamily="49" charset="0"/>
+              </a:rPr>
+              <a:t>#define</a:t>
+            </a:r>
+            <a:r>
+              <a:rPr lang="en-US" altLang="zh-TW" sz="1800" b="1" dirty="0">
+                <a:solidFill>
+                  <a:srgbClr val="000000"/>
+                </a:solidFill>
+                <a:latin typeface="Consolas" panose="020B0609020204030204" pitchFamily="49" charset="0"/>
+              </a:rPr>
+              <a:t> </a:t>
+            </a:r>
+            <a:r>
+              <a:rPr lang="zh-TW" altLang="en-US" b="1" dirty="0"/>
+              <a:t>XSCUGIC_INTR_PRIO_MASK</a:t>
+            </a:r>
+            <a:r>
+              <a:rPr lang="en-US" altLang="zh-TW" b="1" dirty="0"/>
+              <a:t>	</a:t>
+            </a:r>
+            <a:r>
+              <a:rPr lang="zh-TW" altLang="en-US" b="1" dirty="0"/>
+              <a:t>0x000000F8U</a:t>
+            </a:r>
+          </a:p>
+        </p:txBody>
+      </p:sp>
+      <p:sp>
+        <p:nvSpPr>
+          <p:cNvPr id="13" name="文字方塊 12">
+            <a:extLst>
+              <a:ext uri="{FF2B5EF4-FFF2-40B4-BE49-F238E27FC236}">
+                <a16:creationId xmlns:a16="http://schemas.microsoft.com/office/drawing/2014/main" id="{0096C6C4-221A-188B-7774-8DE56E1A0506}"/>
+              </a:ext>
+            </a:extLst>
+          </p:cNvPr>
+          <p:cNvSpPr txBox="1"/>
+          <p:nvPr/>
+        </p:nvSpPr>
+        <p:spPr>
+          <a:xfrm>
+            <a:off x="156676" y="5941813"/>
+            <a:ext cx="9405937" cy="646331"/>
+          </a:xfrm>
+          <a:prstGeom prst="rect">
+            <a:avLst/>
+          </a:prstGeom>
+          <a:noFill/>
+        </p:spPr>
+        <p:txBody>
+          <a:bodyPr wrap="square">
+            <a:spAutoFit/>
+          </a:bodyPr>
+          <a:lstStyle/>
+          <a:p>
+            <a:r>
+              <a:rPr lang="en-US" altLang="zh-TW" sz="1800" b="1" dirty="0">
+                <a:solidFill>
+                  <a:srgbClr val="7F0055"/>
+                </a:solidFill>
+                <a:latin typeface="Consolas" panose="020B0609020204030204" pitchFamily="49" charset="0"/>
+              </a:rPr>
+              <a:t>#define</a:t>
+            </a:r>
+            <a:r>
+              <a:rPr lang="en-US" altLang="zh-TW" sz="1800" b="1" dirty="0">
+                <a:solidFill>
+                  <a:srgbClr val="000000"/>
+                </a:solidFill>
+                <a:latin typeface="Consolas" panose="020B0609020204030204" pitchFamily="49" charset="0"/>
+              </a:rPr>
+              <a:t> </a:t>
+            </a:r>
+            <a:r>
+              <a:rPr lang="zh-TW" altLang="en-US" dirty="0"/>
+              <a:t>XSCUGIC_PENDING_SET_OFFSET	0x00000200U /**&lt; Pending Set Register */</a:t>
+            </a:r>
+          </a:p>
+          <a:p>
+            <a:r>
+              <a:rPr lang="en-US" altLang="zh-TW" sz="1800" b="1" dirty="0">
+                <a:solidFill>
+                  <a:srgbClr val="7F0055"/>
+                </a:solidFill>
+                <a:latin typeface="Consolas" panose="020B0609020204030204" pitchFamily="49" charset="0"/>
+              </a:rPr>
+              <a:t>#define</a:t>
+            </a:r>
+            <a:r>
+              <a:rPr lang="zh-TW" altLang="en-US" dirty="0"/>
+              <a:t>  XSCUGIC_PENDING_CLR_OFFSET	0x00000280U /**&lt; Pending Clear</a:t>
+            </a:r>
+            <a:r>
+              <a:rPr lang="en-US" altLang="zh-TW" dirty="0"/>
+              <a:t> Register */</a:t>
+            </a:r>
+            <a:endParaRPr lang="zh-TW" altLang="en-US" dirty="0"/>
+          </a:p>
+        </p:txBody>
+      </p:sp>
+      <p:sp>
+        <p:nvSpPr>
+          <p:cNvPr id="15" name="文字方塊 14">
+            <a:extLst>
+              <a:ext uri="{FF2B5EF4-FFF2-40B4-BE49-F238E27FC236}">
+                <a16:creationId xmlns:a16="http://schemas.microsoft.com/office/drawing/2014/main" id="{706B9DDF-281F-FA75-5033-42E8A9B65349}"/>
+              </a:ext>
+            </a:extLst>
+          </p:cNvPr>
+          <p:cNvSpPr txBox="1"/>
+          <p:nvPr/>
+        </p:nvSpPr>
+        <p:spPr>
+          <a:xfrm>
+            <a:off x="267963" y="5147884"/>
+            <a:ext cx="7077074" cy="769441"/>
+          </a:xfrm>
+          <a:prstGeom prst="rect">
+            <a:avLst/>
+          </a:prstGeom>
+          <a:noFill/>
+        </p:spPr>
+        <p:txBody>
+          <a:bodyPr wrap="square">
+            <a:spAutoFit/>
+          </a:bodyPr>
+          <a:lstStyle/>
+          <a:p>
+            <a:r>
+              <a:rPr lang="en-US" altLang="zh-TW" sz="4400" dirty="0"/>
+              <a:t>pending</a:t>
+            </a:r>
+            <a:r>
+              <a:rPr lang="zh-TW" altLang="en-US" sz="4400" dirty="0"/>
+              <a:t>暫存器的</a:t>
+            </a:r>
+            <a:r>
+              <a:rPr lang="en-US" altLang="zh-TW" sz="4400" dirty="0"/>
+              <a:t>addresses</a:t>
+            </a:r>
+            <a:endParaRPr lang="zh-TW" altLang="en-US" sz="4400" dirty="0"/>
           </a:p>
         </p:txBody>
       </p:sp>
@@ -5518,11 +5696,7 @@
           <a:bodyPr/>
           <a:lstStyle/>
           <a:p>
-            <a:r>
-              <a:rPr lang="en-US" altLang="zh-TW" dirty="0"/>
-              <a:t>Demo</a:t>
-            </a:r>
-            <a:endParaRPr lang="zh-TW" altLang="en-US" dirty="0"/>
+            <a:endParaRPr lang="zh-TW" altLang="en-US"/>
           </a:p>
         </p:txBody>
       </p:sp>
@@ -5547,13 +5721,7 @@
           <a:bodyPr/>
           <a:lstStyle/>
           <a:p>
-            <a:r>
-              <a:rPr lang="en-US" altLang="zh-TW" dirty="0">
-                <a:hlinkClick r:id="rId2"/>
-              </a:rPr>
-              <a:t>https://drive.google.com/file/d/1oVFyBsj02RklpDCUerdiiv26EPo7kwIb/view?usp=sharing</a:t>
-            </a:r>
-            <a:endParaRPr lang="en-US" altLang="zh-TW" dirty="0"/>
+            <a:endParaRPr lang="zh-TW" altLang="en-US"/>
           </a:p>
         </p:txBody>
       </p:sp>
